--- a/doc/presentation/Final Presentation.pptx
+++ b/doc/presentation/Final Presentation.pptx
@@ -10,6 +10,7 @@
     <p:sldId id="259" r:id="rId4"/>
     <p:sldId id="258" r:id="rId5"/>
     <p:sldId id="260" r:id="rId6"/>
+    <p:sldId id="262" r:id="rId7"/>
   </p:sldIdLst>
   <p:sldSz cx="12192000" cy="6858000"/>
   <p:notesSz cx="6858000" cy="9144000"/>
@@ -3814,10 +3815,218 @@
           </a:p>
         </p:txBody>
       </p:sp>
+      <p:sp>
+        <p:nvSpPr>
+          <p:cNvPr id="33" name="Abgerundetes Rechteck 32"/>
+          <p:cNvSpPr/>
+          <p:nvPr/>
+        </p:nvSpPr>
+        <p:spPr>
+          <a:xfrm>
+            <a:off x="5713940" y="1813274"/>
+            <a:ext cx="6130229" cy="3472205"/>
+          </a:xfrm>
+          <a:prstGeom prst="roundRect">
+            <a:avLst/>
+          </a:prstGeom>
+          <a:noFill/>
+        </p:spPr>
+        <p:style>
+          <a:lnRef idx="2">
+            <a:schemeClr val="accent1">
+              <a:shade val="50000"/>
+            </a:schemeClr>
+          </a:lnRef>
+          <a:fillRef idx="1">
+            <a:schemeClr val="accent1"/>
+          </a:fillRef>
+          <a:effectRef idx="0">
+            <a:schemeClr val="accent1"/>
+          </a:effectRef>
+          <a:fontRef idx="minor">
+            <a:schemeClr val="lt1"/>
+          </a:fontRef>
+        </p:style>
+        <p:txBody>
+          <a:bodyPr rtlCol="0" anchor="ctr"/>
+          <a:lstStyle/>
+          <a:p>
+            <a:pPr algn="ctr"/>
+            <a:endParaRPr lang="de-DE"/>
+          </a:p>
+        </p:txBody>
+      </p:sp>
+      <p:sp>
+        <p:nvSpPr>
+          <p:cNvPr id="35" name="Abgerundetes Rechteck 34"/>
+          <p:cNvSpPr/>
+          <p:nvPr/>
+        </p:nvSpPr>
+        <p:spPr>
+          <a:xfrm>
+            <a:off x="334208" y="1813275"/>
+            <a:ext cx="3261550" cy="4721996"/>
+          </a:xfrm>
+          <a:prstGeom prst="roundRect">
+            <a:avLst/>
+          </a:prstGeom>
+          <a:noFill/>
+        </p:spPr>
+        <p:style>
+          <a:lnRef idx="2">
+            <a:schemeClr val="accent1">
+              <a:shade val="50000"/>
+            </a:schemeClr>
+          </a:lnRef>
+          <a:fillRef idx="1">
+            <a:schemeClr val="accent1"/>
+          </a:fillRef>
+          <a:effectRef idx="0">
+            <a:schemeClr val="accent1"/>
+          </a:effectRef>
+          <a:fontRef idx="minor">
+            <a:schemeClr val="lt1"/>
+          </a:fontRef>
+        </p:style>
+        <p:txBody>
+          <a:bodyPr rtlCol="0" anchor="ctr"/>
+          <a:lstStyle/>
+          <a:p>
+            <a:pPr algn="ctr"/>
+            <a:endParaRPr lang="de-DE"/>
+          </a:p>
+        </p:txBody>
+      </p:sp>
+      <p:sp>
+        <p:nvSpPr>
+          <p:cNvPr id="36" name="Textfeld 35"/>
+          <p:cNvSpPr txBox="1"/>
+          <p:nvPr/>
+        </p:nvSpPr>
+        <p:spPr>
+          <a:xfrm>
+            <a:off x="1076897" y="1417066"/>
+            <a:ext cx="1776172" cy="369332"/>
+          </a:xfrm>
+          <a:prstGeom prst="rect">
+            <a:avLst/>
+          </a:prstGeom>
+          <a:noFill/>
+        </p:spPr>
+        <p:txBody>
+          <a:bodyPr wrap="square" rtlCol="0">
+            <a:spAutoFit/>
+          </a:bodyPr>
+          <a:lstStyle/>
+          <a:p>
+            <a:r>
+              <a:rPr lang="de-DE" dirty="0" smtClean="0"/>
+              <a:t>Client (</a:t>
+            </a:r>
+            <a:r>
+              <a:rPr lang="de-DE" dirty="0" err="1" smtClean="0"/>
+              <a:t>browser</a:t>
+            </a:r>
+            <a:r>
+              <a:rPr lang="de-DE" dirty="0" smtClean="0"/>
+              <a:t>)</a:t>
+            </a:r>
+            <a:endParaRPr lang="de-DE" dirty="0"/>
+          </a:p>
+        </p:txBody>
+      </p:sp>
+      <p:sp>
+        <p:nvSpPr>
+          <p:cNvPr id="37" name="Textfeld 36"/>
+          <p:cNvSpPr txBox="1"/>
+          <p:nvPr/>
+        </p:nvSpPr>
+        <p:spPr>
+          <a:xfrm>
+            <a:off x="8713694" y="5293650"/>
+            <a:ext cx="1145598" cy="369332"/>
+          </a:xfrm>
+          <a:prstGeom prst="rect">
+            <a:avLst/>
+          </a:prstGeom>
+          <a:noFill/>
+        </p:spPr>
+        <p:txBody>
+          <a:bodyPr wrap="square" rtlCol="0">
+            <a:spAutoFit/>
+          </a:bodyPr>
+          <a:lstStyle/>
+          <a:p>
+            <a:r>
+              <a:rPr lang="de-DE" smtClean="0"/>
+              <a:t>Server</a:t>
+            </a:r>
+            <a:endParaRPr lang="de-DE" dirty="0"/>
+          </a:p>
+        </p:txBody>
+      </p:sp>
     </p:spTree>
     <p:extLst>
       <p:ext uri="{BB962C8B-B14F-4D97-AF65-F5344CB8AC3E}">
         <p14:creationId xmlns:p14="http://schemas.microsoft.com/office/powerpoint/2010/main" val="1664526716"/>
+      </p:ext>
+    </p:extLst>
+  </p:cSld>
+  <p:clrMapOvr>
+    <a:masterClrMapping/>
+  </p:clrMapOvr>
+</p:sld>
+</file>
+
+<file path=ppt/slides/slide6.xml><?xml version="1.0" encoding="utf-8"?>
+<p:sld xmlns:a="http://schemas.openxmlformats.org/drawingml/2006/main" xmlns:r="http://schemas.openxmlformats.org/officeDocument/2006/relationships" xmlns:p="http://schemas.openxmlformats.org/presentationml/2006/main">
+  <p:cSld>
+    <p:spTree>
+      <p:nvGrpSpPr>
+        <p:cNvPr id="1" name=""/>
+        <p:cNvGrpSpPr/>
+        <p:nvPr/>
+      </p:nvGrpSpPr>
+      <p:grpSpPr>
+        <a:xfrm>
+          <a:off x="0" y="0"/>
+          <a:ext cx="0" cy="0"/>
+          <a:chOff x="0" y="0"/>
+          <a:chExt cx="0" cy="0"/>
+        </a:xfrm>
+      </p:grpSpPr>
+      <p:sp>
+        <p:nvSpPr>
+          <p:cNvPr id="2" name="Titel 1"/>
+          <p:cNvSpPr>
+            <a:spLocks noGrp="1"/>
+          </p:cNvSpPr>
+          <p:nvPr>
+            <p:ph type="ctrTitle"/>
+          </p:nvPr>
+        </p:nvSpPr>
+        <p:spPr>
+          <a:xfrm>
+            <a:off x="1524000" y="1122362"/>
+            <a:ext cx="9144000" cy="2871413"/>
+          </a:xfrm>
+        </p:spPr>
+        <p:txBody>
+          <a:bodyPr/>
+          <a:lstStyle/>
+          <a:p>
+            <a:r>
+              <a:rPr lang="de-DE" dirty="0" smtClean="0"/>
+              <a:t>Q &amp; A</a:t>
+            </a:r>
+            <a:endParaRPr lang="de-DE" dirty="0"/>
+          </a:p>
+        </p:txBody>
+      </p:sp>
+    </p:spTree>
+    <p:extLst>
+      <p:ext uri="{BB962C8B-B14F-4D97-AF65-F5344CB8AC3E}">
+        <p14:creationId xmlns:p14="http://schemas.microsoft.com/office/powerpoint/2010/main" val="2111631616"/>
       </p:ext>
     </p:extLst>
   </p:cSld>
